--- a/DsDotNet/src/UnitTest/UnitTest.Model/ImportOfficeExample/Sample/SubAssy.pptx
+++ b/DsDotNet/src/UnitTest/UnitTest.Model/ImportOfficeExample/Sample/SubAssy.pptx
@@ -4191,7 +4191,7 @@
           <a:p>
             <a:fld id="{3E1D827B-9946-4E0D-97BA-FFCB17A9AF00}" type="datetimeFigureOut">
               <a:rPr lang="ko-KR" altLang="en-US" smtClean="0"/>
-              <a:t>2022-12-22</a:t>
+              <a:t>2023-09-03</a:t>
             </a:fld>
             <a:endParaRPr lang="ko-KR" altLang="en-US"/>
           </a:p>
@@ -4509,7 +4509,7 @@
           <a:p>
             <a:fld id="{3E1D827B-9946-4E0D-97BA-FFCB17A9AF00}" type="datetimeFigureOut">
               <a:rPr lang="ko-KR" altLang="en-US" smtClean="0"/>
-              <a:t>2022-12-22</a:t>
+              <a:t>2023-09-03</a:t>
             </a:fld>
             <a:endParaRPr lang="ko-KR" altLang="en-US"/>
           </a:p>
@@ -4997,7 +4997,7 @@
           <a:p>
             <a:fld id="{3E1D827B-9946-4E0D-97BA-FFCB17A9AF00}" type="datetimeFigureOut">
               <a:rPr lang="ko-KR" altLang="en-US" smtClean="0"/>
-              <a:t>2022-12-22</a:t>
+              <a:t>2023-09-03</a:t>
             </a:fld>
             <a:endParaRPr lang="ko-KR" altLang="en-US"/>
           </a:p>
@@ -5366,7 +5366,7 @@
           <a:p>
             <a:fld id="{3E1D827B-9946-4E0D-97BA-FFCB17A9AF00}" type="datetimeFigureOut">
               <a:rPr lang="ko-KR" altLang="en-US" smtClean="0"/>
-              <a:t>2022-12-22</a:t>
+              <a:t>2023-09-03</a:t>
             </a:fld>
             <a:endParaRPr lang="ko-KR" altLang="en-US"/>
           </a:p>
@@ -5639,7 +5639,7 @@
           <a:p>
             <a:fld id="{3E1D827B-9946-4E0D-97BA-FFCB17A9AF00}" type="datetimeFigureOut">
               <a:rPr lang="ko-KR" altLang="en-US" smtClean="0"/>
-              <a:t>2022-12-22</a:t>
+              <a:t>2023-09-03</a:t>
             </a:fld>
             <a:endParaRPr lang="ko-KR" altLang="en-US"/>
           </a:p>
@@ -5924,7 +5924,7 @@
           <a:p>
             <a:fld id="{3E1D827B-9946-4E0D-97BA-FFCB17A9AF00}" type="datetimeFigureOut">
               <a:rPr lang="ko-KR" altLang="en-US" smtClean="0"/>
-              <a:t>2022-12-22</a:t>
+              <a:t>2023-09-03</a:t>
             </a:fld>
             <a:endParaRPr lang="ko-KR" altLang="en-US"/>
           </a:p>
@@ -6019,7 +6019,7 @@
           <a:p>
             <a:fld id="{3E1D827B-9946-4E0D-97BA-FFCB17A9AF00}" type="datetimeFigureOut">
               <a:rPr lang="ko-KR" altLang="en-US" smtClean="0"/>
-              <a:t>2022-12-22</a:t>
+              <a:t>2023-09-03</a:t>
             </a:fld>
             <a:endParaRPr lang="ko-KR" altLang="en-US"/>
           </a:p>
@@ -6372,7 +6372,7 @@
           <a:p>
             <a:fld id="{3E1D827B-9946-4E0D-97BA-FFCB17A9AF00}" type="datetimeFigureOut">
               <a:rPr lang="ko-KR" altLang="en-US" smtClean="0"/>
-              <a:t>2022-12-22</a:t>
+              <a:t>2023-09-03</a:t>
             </a:fld>
             <a:endParaRPr lang="ko-KR" altLang="en-US"/>
           </a:p>
@@ -6715,7 +6715,7 @@
           <a:p>
             <a:fld id="{3E1D827B-9946-4E0D-97BA-FFCB17A9AF00}" type="datetimeFigureOut">
               <a:rPr lang="ko-KR" altLang="en-US" smtClean="0"/>
-              <a:t>2022-12-22</a:t>
+              <a:t>2023-09-03</a:t>
             </a:fld>
             <a:endParaRPr lang="ko-KR" altLang="en-US"/>
           </a:p>
@@ -7054,7 +7054,7 @@
           <a:p>
             <a:fld id="{3E1D827B-9946-4E0D-97BA-FFCB17A9AF00}" type="datetimeFigureOut">
               <a:rPr lang="ko-KR" altLang="en-US" smtClean="0"/>
-              <a:t>2022-12-22</a:t>
+              <a:t>2023-09-03</a:t>
             </a:fld>
             <a:endParaRPr lang="ko-KR" altLang="en-US"/>
           </a:p>
@@ -7536,7 +7536,7 @@
           <a:p>
             <a:fld id="{3E1D827B-9946-4E0D-97BA-FFCB17A9AF00}" type="datetimeFigureOut">
               <a:rPr lang="ko-KR" altLang="en-US" smtClean="0"/>
-              <a:t>2022-12-22</a:t>
+              <a:t>2023-09-03</a:t>
             </a:fld>
             <a:endParaRPr lang="ko-KR" altLang="en-US"/>
           </a:p>
@@ -7762,7 +7762,7 @@
           <a:p>
             <a:fld id="{3E1D827B-9946-4E0D-97BA-FFCB17A9AF00}" type="datetimeFigureOut">
               <a:rPr lang="ko-KR" altLang="en-US" smtClean="0"/>
-              <a:t>2022-12-22</a:t>
+              <a:t>2023-09-03</a:t>
             </a:fld>
             <a:endParaRPr lang="ko-KR" altLang="en-US"/>
           </a:p>
@@ -7857,7 +7857,7 @@
           <a:p>
             <a:fld id="{3E1D827B-9946-4E0D-97BA-FFCB17A9AF00}" type="datetimeFigureOut">
               <a:rPr lang="ko-KR" altLang="en-US" smtClean="0"/>
-              <a:t>2022-12-22</a:t>
+              <a:t>2023-09-03</a:t>
             </a:fld>
             <a:endParaRPr lang="ko-KR" altLang="en-US"/>
           </a:p>
@@ -8324,7 +8324,7 @@
           <a:p>
             <a:fld id="{3E1D827B-9946-4E0D-97BA-FFCB17A9AF00}" type="datetimeFigureOut">
               <a:rPr lang="ko-KR" altLang="en-US" smtClean="0"/>
-              <a:t>2022-12-22</a:t>
+              <a:t>2023-09-03</a:t>
             </a:fld>
             <a:endParaRPr lang="ko-KR" altLang="en-US"/>
           </a:p>
@@ -8642,7 +8642,7 @@
           <a:p>
             <a:fld id="{3E1D827B-9946-4E0D-97BA-FFCB17A9AF00}" type="datetimeFigureOut">
               <a:rPr lang="ko-KR" altLang="en-US" smtClean="0"/>
-              <a:t>2022-12-22</a:t>
+              <a:t>2023-09-03</a:t>
             </a:fld>
             <a:endParaRPr lang="ko-KR" altLang="en-US"/>
           </a:p>
@@ -8912,7 +8912,7 @@
           <a:p>
             <a:fld id="{3E1D827B-9946-4E0D-97BA-FFCB17A9AF00}" type="datetimeFigureOut">
               <a:rPr lang="ko-KR" altLang="en-US" smtClean="0"/>
-              <a:t>2022-12-22</a:t>
+              <a:t>2023-09-03</a:t>
             </a:fld>
             <a:endParaRPr lang="ko-KR" altLang="en-US"/>
           </a:p>
@@ -9672,22 +9672,15 @@
             <a:p>
               <a:pPr algn="ctr" defTabSz="914400" latinLnBrk="1"/>
               <a:r>
-                <a:rPr lang="en-US" altLang="ko-KR" sz="600" b="1" dirty="0" err="1">
+                <a:rPr lang="en-US" altLang="ko-KR" sz="600" b="1" dirty="0">
                   <a:solidFill>
                     <a:schemeClr val="tx1"/>
                   </a:solidFill>
                   <a:latin typeface="맑은 고딕" panose="020F0502020204030204"/>
                   <a:ea typeface="맑은 고딕" panose="020B0503020000020004" pitchFamily="50" charset="-127"/>
                 </a:rPr>
-                <a:t>Conv$GO1</a:t>
+                <a:t>Conv$MOVE1</a:t>
               </a:r>
-              <a:endParaRPr lang="en-US" altLang="ko-KR" sz="600" b="1" dirty="0">
-                <a:solidFill>
-                  <a:schemeClr val="tx1"/>
-                </a:solidFill>
-                <a:latin typeface="맑은 고딕" panose="020F0502020204030204"/>
-                <a:ea typeface="맑은 고딕" panose="020B0503020000020004" pitchFamily="50" charset="-127"/>
-              </a:endParaRPr>
             </a:p>
           </p:txBody>
         </p:sp>
@@ -10754,7 +10747,27 @@
                   <a:latin typeface="맑은 고딕" panose="020F0502020204030204"/>
                   <a:ea typeface="맑은 고딕" panose="020B0503020000020004" pitchFamily="50" charset="-127"/>
                 </a:rPr>
-                <a:t>Conv$GO2</a:t>
+                <a:t>Conv</a:t>
+              </a:r>
+              <a:r>
+                <a:rPr lang="en-US" altLang="ko-KR" sz="700" b="1" err="1">
+                  <a:solidFill>
+                    <a:schemeClr val="tx1"/>
+                  </a:solidFill>
+                  <a:latin typeface="맑은 고딕" panose="020F0502020204030204"/>
+                  <a:ea typeface="맑은 고딕" panose="020B0503020000020004" pitchFamily="50" charset="-127"/>
+                </a:rPr>
+                <a:t>$</a:t>
+              </a:r>
+              <a:r>
+                <a:rPr lang="en-US" altLang="ko-KR" sz="700" b="1">
+                  <a:solidFill>
+                    <a:schemeClr val="tx1"/>
+                  </a:solidFill>
+                  <a:latin typeface="맑은 고딕" panose="020F0502020204030204"/>
+                  <a:ea typeface="맑은 고딕" panose="020B0503020000020004" pitchFamily="50" charset="-127"/>
+                </a:rPr>
+                <a:t>MOVE2</a:t>
               </a:r>
               <a:endParaRPr lang="en-US" altLang="ko-KR" sz="700" b="1" dirty="0">
                 <a:solidFill>
@@ -11466,77 +11479,6 @@
           </a:p>
         </p:txBody>
       </p:sp>
-      <p:sp>
-        <p:nvSpPr>
-          <p:cNvPr id="15" name="타원 14">
-            <a:extLst>
-              <a:ext uri="{FF2B5EF4-FFF2-40B4-BE49-F238E27FC236}">
-                <a16:creationId xmlns:a16="http://schemas.microsoft.com/office/drawing/2014/main" id="{F373240F-556E-1608-9F3D-1C9EC4D014EB}"/>
-              </a:ext>
-            </a:extLst>
-          </p:cNvPr>
-          <p:cNvSpPr/>
-          <p:nvPr/>
-        </p:nvSpPr>
-        <p:spPr>
-          <a:xfrm>
-            <a:off x="1989446" y="4902321"/>
-            <a:ext cx="1543981" cy="656340"/>
-          </a:xfrm>
-          <a:prstGeom prst="ellipse">
-            <a:avLst/>
-          </a:prstGeom>
-          <a:noFill/>
-          <a:ln/>
-        </p:spPr>
-        <p:style>
-          <a:lnRef idx="2">
-            <a:schemeClr val="accent4"/>
-          </a:lnRef>
-          <a:fillRef idx="1">
-            <a:schemeClr val="lt1"/>
-          </a:fillRef>
-          <a:effectRef idx="0">
-            <a:schemeClr val="accent4"/>
-          </a:effectRef>
-          <a:fontRef idx="minor">
-            <a:schemeClr val="dk1"/>
-          </a:fontRef>
-        </p:style>
-        <p:txBody>
-          <a:bodyPr rtlCol="0" anchor="ctr"/>
-          <a:lstStyle/>
-          <a:p>
-            <a:pPr algn="ctr" defTabSz="914400" latinLnBrk="1"/>
-            <a:r>
-              <a:rPr lang="en-US" altLang="ko-KR" sz="1050" dirty="0">
-                <a:solidFill>
-                  <a:schemeClr val="tx1"/>
-                </a:solidFill>
-              </a:rPr>
-              <a:t>sys1$</a:t>
-            </a:r>
-          </a:p>
-          <a:p>
-            <a:pPr algn="ctr" defTabSz="914400" latinLnBrk="1"/>
-            <a:r>
-              <a:rPr lang="en-US" altLang="ko-KR" sz="1050" dirty="0">
-                <a:solidFill>
-                  <a:schemeClr val="tx1"/>
-                </a:solidFill>
-              </a:rPr>
-              <a:t>RBTCOMPL</a:t>
-            </a:r>
-            <a:endParaRPr lang="en-US" altLang="ko-KR" sz="900" b="1" dirty="0">
-              <a:solidFill>
-                <a:schemeClr val="tx1"/>
-              </a:solidFill>
-              <a:latin typeface="맑은 고딕" panose="020F0502020204030204"/>
-              <a:ea typeface="맑은 고딕" panose="020B0503020000020004" pitchFamily="50" charset="-127"/>
-            </a:endParaRPr>
-          </a:p>
-        </p:txBody>
-      </p:sp>
       <p:cxnSp>
         <p:nvCxnSpPr>
           <p:cNvPr id="19" name="연결선: 꺾임 18">
@@ -11548,15 +11490,15 @@
           </p:cNvPr>
           <p:cNvCxnSpPr>
             <a:cxnSpLocks/>
-            <a:stCxn id="15" idx="0"/>
+            <a:stCxn id="22" idx="0"/>
             <a:endCxn id="18" idx="2"/>
           </p:cNvCxnSpPr>
           <p:nvPr/>
         </p:nvCxnSpPr>
         <p:spPr>
           <a:xfrm rot="5400000" flipH="1" flipV="1">
-            <a:off x="2427912" y="4361984"/>
-            <a:ext cx="873863" cy="206813"/>
+            <a:off x="1866508" y="4778211"/>
+            <a:ext cx="1851495" cy="351990"/>
           </a:xfrm>
           <a:prstGeom prst="bentConnector3">
             <a:avLst>
@@ -11582,6 +11524,89 @@
           </a:fontRef>
         </p:style>
       </p:cxnSp>
+      <p:sp>
+        <p:nvSpPr>
+          <p:cNvPr id="22" name="직사각형 21">
+            <a:extLst>
+              <a:ext uri="{FF2B5EF4-FFF2-40B4-BE49-F238E27FC236}">
+                <a16:creationId xmlns:a16="http://schemas.microsoft.com/office/drawing/2014/main" id="{B54C438E-B6A5-FC89-0C3C-450BC7D2E0C7}"/>
+              </a:ext>
+            </a:extLst>
+          </p:cNvPr>
+          <p:cNvSpPr/>
+          <p:nvPr/>
+        </p:nvSpPr>
+        <p:spPr>
+          <a:xfrm>
+            <a:off x="1940803" y="5879953"/>
+            <a:ext cx="1350913" cy="338529"/>
+          </a:xfrm>
+          <a:prstGeom prst="rect">
+            <a:avLst/>
+          </a:prstGeom>
+          <a:solidFill>
+            <a:schemeClr val="accent1">
+              <a:alpha val="14000"/>
+            </a:schemeClr>
+          </a:solidFill>
+          <a:ln w="9525" cap="flat" cmpd="sng" algn="ctr">
+            <a:solidFill>
+              <a:schemeClr val="accent3"/>
+            </a:solidFill>
+            <a:prstDash val="solid"/>
+            <a:round/>
+            <a:headEnd type="none" w="med" len="med"/>
+            <a:tailEnd type="none" w="med" len="med"/>
+          </a:ln>
+        </p:spPr>
+        <p:style>
+          <a:lnRef idx="0">
+            <a:scrgbClr r="0" g="0" b="0"/>
+          </a:lnRef>
+          <a:fillRef idx="0">
+            <a:scrgbClr r="0" g="0" b="0"/>
+          </a:fillRef>
+          <a:effectRef idx="0">
+            <a:scrgbClr r="0" g="0" b="0"/>
+          </a:effectRef>
+          <a:fontRef idx="minor">
+            <a:schemeClr val="accent3"/>
+          </a:fontRef>
+        </p:style>
+        <p:txBody>
+          <a:bodyPr rtlCol="0" anchor="t"/>
+          <a:lstStyle/>
+          <a:p>
+            <a:pPr algn="ctr" defTabSz="914400" latinLnBrk="1"/>
+            <a:r>
+              <a:rPr lang="en-US" altLang="ko-KR" sz="900" dirty="0">
+                <a:solidFill>
+                  <a:schemeClr val="tx1"/>
+                </a:solidFill>
+              </a:rPr>
+              <a:t>sys1$</a:t>
+            </a:r>
+          </a:p>
+          <a:p>
+            <a:pPr algn="ctr" defTabSz="914400" latinLnBrk="1"/>
+            <a:r>
+              <a:rPr lang="en-US" altLang="ko-KR" sz="900" dirty="0">
+                <a:solidFill>
+                  <a:schemeClr val="tx1"/>
+                </a:solidFill>
+              </a:rPr>
+              <a:t>RBTCOMPL</a:t>
+            </a:r>
+            <a:endParaRPr lang="en-US" altLang="ko-KR" sz="800" b="1" dirty="0">
+              <a:solidFill>
+                <a:schemeClr val="tx1"/>
+              </a:solidFill>
+              <a:latin typeface="맑은 고딕" panose="020F0502020204030204"/>
+              <a:ea typeface="맑은 고딕" panose="020B0503020000020004" pitchFamily="50" charset="-127"/>
+            </a:endParaRPr>
+          </a:p>
+        </p:txBody>
+      </p:sp>
     </p:spTree>
     <p:extLst>
       <p:ext uri="{BB962C8B-B14F-4D97-AF65-F5344CB8AC3E}">
